--- a/customer_presentation/onedot_customer_presentation.pptx
+++ b/customer_presentation/onedot_customer_presentation.pptx
@@ -234,7 +234,7 @@
               <a:rPr lang="fr-CH" smtClean="0">
                 <a:latin typeface="Arial" panose="020B0604020202020204" pitchFamily="34" charset="0"/>
               </a:rPr>
-              <a:t>09.08.21</a:t>
+              <a:t>16.08.21</a:t>
             </a:fld>
             <a:endParaRPr lang="fr-CH" dirty="0">
               <a:latin typeface="Arial" panose="020B0604020202020204" pitchFamily="34" charset="0"/>
@@ -412,7 +412,7 @@
             <a:fld id="{F8103E42-5239-1A40-AD33-3EE7E9DDF5FD}" type="datetimeFigureOut">
               <a:rPr lang="fr-FR" smtClean="0"/>
               <a:pPr/>
-              <a:t>09/08/2021</a:t>
+              <a:t>16/08/2021</a:t>
             </a:fld>
             <a:endParaRPr lang="fr-FR" dirty="0"/>
           </a:p>
@@ -7962,7 +7962,7 @@
                   <a:schemeClr val="bg1"/>
                 </a:solidFill>
               </a:rPr>
-              <a:t>E-Commerce suppliers onboarding:</a:t>
+              <a:t>e-Commerce suppliers onboarding:</a:t>
             </a:r>
             <a:br>
               <a:rPr lang="en-US" sz="2400" dirty="0">
@@ -8254,7 +8254,7 @@
         </p:nvSpPr>
         <p:spPr>
           <a:xfrm>
-            <a:off x="1737360" y="1418893"/>
+            <a:off x="1978429" y="1436255"/>
             <a:ext cx="331470" cy="339249"/>
           </a:xfrm>
           <a:prstGeom prst="rect">
@@ -8302,7 +8302,7 @@
         </p:nvSpPr>
         <p:spPr>
           <a:xfrm>
-            <a:off x="3983355" y="1585699"/>
+            <a:off x="4224424" y="1603061"/>
             <a:ext cx="331470" cy="339249"/>
           </a:xfrm>
           <a:prstGeom prst="rect">
@@ -8418,7 +8418,7 @@
         </p:nvSpPr>
         <p:spPr>
           <a:xfrm>
-            <a:off x="-6650" y="1133806"/>
+            <a:off x="234419" y="1151168"/>
             <a:ext cx="4155740" cy="476974"/>
           </a:xfrm>
           <a:prstGeom prst="rect">
@@ -8506,8 +8506,8 @@
         </p:nvSpPr>
         <p:spPr>
           <a:xfrm>
-            <a:off x="421509" y="1554481"/>
-            <a:ext cx="8209730" cy="1077218"/>
+            <a:off x="662578" y="1571843"/>
+            <a:ext cx="7968660" cy="1323439"/>
           </a:xfrm>
           <a:prstGeom prst="rect">
             <a:avLst/>
@@ -8948,7 +8948,7 @@
         </p:nvSpPr>
         <p:spPr>
           <a:xfrm>
-            <a:off x="4793884" y="2215794"/>
+            <a:off x="5026640" y="2355391"/>
             <a:ext cx="205740" cy="148590"/>
           </a:xfrm>
           <a:prstGeom prst="rect">
@@ -8996,7 +8996,7 @@
         </p:nvSpPr>
         <p:spPr>
           <a:xfrm>
-            <a:off x="3983355" y="1061997"/>
+            <a:off x="4216111" y="1201594"/>
             <a:ext cx="331470" cy="339249"/>
           </a:xfrm>
           <a:prstGeom prst="rect">
@@ -9112,7 +9112,7 @@
         </p:nvSpPr>
         <p:spPr>
           <a:xfrm>
-            <a:off x="-6650" y="610104"/>
+            <a:off x="226106" y="749701"/>
             <a:ext cx="4155740" cy="476974"/>
           </a:xfrm>
           <a:prstGeom prst="rect">
@@ -9174,7 +9174,7 @@
         </p:nvSpPr>
         <p:spPr>
           <a:xfrm>
-            <a:off x="-6650" y="1292159"/>
+            <a:off x="226106" y="1431756"/>
             <a:ext cx="8637888" cy="476974"/>
           </a:xfrm>
           <a:prstGeom prst="rect">
@@ -9232,7 +9232,7 @@
         </p:nvSpPr>
         <p:spPr>
           <a:xfrm>
-            <a:off x="430585" y="1635660"/>
+            <a:off x="663341" y="1775257"/>
             <a:ext cx="8540695" cy="338554"/>
           </a:xfrm>
           <a:prstGeom prst="rect">
@@ -9312,7 +9312,7 @@
         </p:blipFill>
         <p:spPr>
           <a:xfrm>
-            <a:off x="1745564" y="576419"/>
+            <a:off x="1978320" y="716016"/>
             <a:ext cx="485578" cy="485578"/>
           </a:xfrm>
           <a:prstGeom prst="rect">
@@ -9388,7 +9388,7 @@
         </p:nvSpPr>
         <p:spPr>
           <a:xfrm>
-            <a:off x="1737360" y="2498849"/>
+            <a:off x="1970116" y="2638446"/>
             <a:ext cx="331470" cy="339249"/>
           </a:xfrm>
           <a:prstGeom prst="rect">
@@ -9442,7 +9442,7 @@
         </p:nvSpPr>
         <p:spPr>
           <a:xfrm>
-            <a:off x="3983355" y="2665655"/>
+            <a:off x="4216111" y="2805252"/>
             <a:ext cx="331470" cy="339249"/>
           </a:xfrm>
           <a:prstGeom prst="rect">
@@ -9498,7 +9498,7 @@
         </p:nvSpPr>
         <p:spPr>
           <a:xfrm>
-            <a:off x="-6650" y="2213762"/>
+            <a:off x="226106" y="2353359"/>
             <a:ext cx="4155740" cy="476974"/>
           </a:xfrm>
           <a:prstGeom prst="rect">
@@ -9570,7 +9570,7 @@
         </p:nvSpPr>
         <p:spPr>
           <a:xfrm>
-            <a:off x="421509" y="2649471"/>
+            <a:off x="654265" y="2789068"/>
             <a:ext cx="8209729" cy="1569660"/>
           </a:xfrm>
           <a:prstGeom prst="rect">
@@ -9957,7 +9957,7 @@
         </p:nvSpPr>
         <p:spPr>
           <a:xfrm>
-            <a:off x="4793884" y="2132664"/>
+            <a:off x="4955950" y="2144057"/>
             <a:ext cx="205740" cy="148590"/>
           </a:xfrm>
           <a:prstGeom prst="rect">
@@ -10073,7 +10073,7 @@
         </p:nvSpPr>
         <p:spPr>
           <a:xfrm>
-            <a:off x="-6650" y="610104"/>
+            <a:off x="155416" y="621497"/>
             <a:ext cx="5218730" cy="476974"/>
           </a:xfrm>
           <a:prstGeom prst="rect">
@@ -10161,7 +10161,7 @@
         </p:nvSpPr>
         <p:spPr>
           <a:xfrm>
-            <a:off x="-16316" y="1210151"/>
+            <a:off x="145750" y="1221544"/>
             <a:ext cx="5121367" cy="476974"/>
           </a:xfrm>
           <a:prstGeom prst="rect">
@@ -10227,7 +10227,7 @@
         </p:blipFill>
         <p:spPr>
           <a:xfrm>
-            <a:off x="4878578" y="543979"/>
+            <a:off x="5040644" y="555372"/>
             <a:ext cx="485578" cy="485578"/>
           </a:xfrm>
           <a:prstGeom prst="rect">
@@ -10257,7 +10257,7 @@
         </p:blipFill>
         <p:spPr>
           <a:xfrm>
-            <a:off x="2407839" y="1155652"/>
+            <a:off x="2569905" y="1167045"/>
             <a:ext cx="485578" cy="485578"/>
           </a:xfrm>
           <a:prstGeom prst="rect">
@@ -10281,7 +10281,7 @@
         </p:nvSpPr>
         <p:spPr>
           <a:xfrm>
-            <a:off x="-16316" y="1808641"/>
+            <a:off x="145750" y="1820034"/>
             <a:ext cx="5121367" cy="476974"/>
           </a:xfrm>
           <a:prstGeom prst="rect">
@@ -10353,7 +10353,7 @@
         </p:nvSpPr>
         <p:spPr>
           <a:xfrm>
-            <a:off x="523536" y="2190104"/>
+            <a:off x="685602" y="2201497"/>
             <a:ext cx="8540695" cy="338554"/>
           </a:xfrm>
           <a:prstGeom prst="rect">
@@ -10427,7 +10427,7 @@
         </p:nvSpPr>
         <p:spPr>
           <a:xfrm>
-            <a:off x="0" y="2647332"/>
+            <a:off x="162066" y="2658725"/>
             <a:ext cx="5121367" cy="476974"/>
           </a:xfrm>
           <a:prstGeom prst="rect">
@@ -10507,7 +10507,7 @@
         </p:blipFill>
         <p:spPr>
           <a:xfrm>
-            <a:off x="3110411" y="2595285"/>
+            <a:off x="3272477" y="2606678"/>
             <a:ext cx="485578" cy="485578"/>
           </a:xfrm>
           <a:prstGeom prst="rect">
@@ -10531,7 +10531,7 @@
         </p:nvSpPr>
         <p:spPr>
           <a:xfrm>
-            <a:off x="0" y="3231872"/>
+            <a:off x="162066" y="3243265"/>
             <a:ext cx="5121367" cy="476974"/>
           </a:xfrm>
           <a:prstGeom prst="rect">
@@ -10625,7 +10625,7 @@
         </p:blipFill>
         <p:spPr>
           <a:xfrm>
-            <a:off x="4766265" y="3176065"/>
+            <a:off x="4928331" y="3187458"/>
             <a:ext cx="485578" cy="485578"/>
           </a:xfrm>
           <a:prstGeom prst="rect">
@@ -10655,7 +10655,7 @@
         </p:blipFill>
         <p:spPr>
           <a:xfrm>
-            <a:off x="737310" y="4005801"/>
+            <a:off x="899375" y="3831698"/>
             <a:ext cx="606279" cy="606279"/>
           </a:xfrm>
           <a:prstGeom prst="rect">
@@ -10677,7 +10677,7 @@
         </p:nvSpPr>
         <p:spPr>
           <a:xfrm>
-            <a:off x="1336183" y="3889648"/>
+            <a:off x="1498248" y="3715545"/>
             <a:ext cx="6860165" cy="830997"/>
           </a:xfrm>
           <a:prstGeom prst="rect">
@@ -11076,7 +11076,7 @@
         </p:nvSpPr>
         <p:spPr>
           <a:xfrm>
-            <a:off x="4793884" y="2132664"/>
+            <a:off x="4946284" y="2382147"/>
             <a:ext cx="205740" cy="148590"/>
           </a:xfrm>
           <a:prstGeom prst="rect">
@@ -11192,7 +11192,7 @@
         </p:nvSpPr>
         <p:spPr>
           <a:xfrm>
-            <a:off x="-6650" y="684831"/>
+            <a:off x="145750" y="934314"/>
             <a:ext cx="4155740" cy="476974"/>
           </a:xfrm>
           <a:prstGeom prst="rect">
@@ -11264,7 +11264,7 @@
         </p:nvSpPr>
         <p:spPr>
           <a:xfrm>
-            <a:off x="565105" y="1046422"/>
+            <a:off x="717505" y="1295905"/>
             <a:ext cx="8066133" cy="584775"/>
           </a:xfrm>
           <a:prstGeom prst="rect">
@@ -11345,7 +11345,7 @@
         </p:nvSpPr>
         <p:spPr>
           <a:xfrm>
-            <a:off x="0" y="2564172"/>
+            <a:off x="152400" y="2813655"/>
             <a:ext cx="5121367" cy="476974"/>
           </a:xfrm>
           <a:prstGeom prst="rect">
@@ -11411,7 +11411,7 @@
         </p:blipFill>
         <p:spPr>
           <a:xfrm>
-            <a:off x="565105" y="1766345"/>
+            <a:off x="717505" y="2015828"/>
             <a:ext cx="606279" cy="606279"/>
           </a:xfrm>
           <a:prstGeom prst="rect">
@@ -11433,7 +11433,7 @@
         </p:nvSpPr>
         <p:spPr>
           <a:xfrm>
-            <a:off x="1171384" y="1900534"/>
+            <a:off x="1323784" y="2150017"/>
             <a:ext cx="6860165" cy="338554"/>
           </a:xfrm>
           <a:prstGeom prst="rect">
@@ -11505,7 +11505,7 @@
         </p:nvSpPr>
         <p:spPr>
           <a:xfrm>
-            <a:off x="565105" y="2920663"/>
+            <a:off x="717505" y="3170146"/>
             <a:ext cx="8066133" cy="830997"/>
           </a:xfrm>
           <a:prstGeom prst="rect">
@@ -11978,7 +11978,7 @@
         </p:nvSpPr>
         <p:spPr>
           <a:xfrm>
-            <a:off x="4793884" y="2132664"/>
+            <a:off x="4948675" y="2290606"/>
             <a:ext cx="205740" cy="148590"/>
           </a:xfrm>
           <a:prstGeom prst="rect">
@@ -12094,7 +12094,7 @@
         </p:nvSpPr>
         <p:spPr>
           <a:xfrm>
-            <a:off x="-7189" y="652410"/>
+            <a:off x="147602" y="810352"/>
             <a:ext cx="4155740" cy="476974"/>
           </a:xfrm>
           <a:prstGeom prst="rect">
@@ -12152,7 +12152,7 @@
         </p:nvSpPr>
         <p:spPr>
           <a:xfrm>
-            <a:off x="523536" y="1031212"/>
+            <a:off x="678327" y="1189154"/>
             <a:ext cx="8107701" cy="830997"/>
           </a:xfrm>
           <a:prstGeom prst="rect">
@@ -12310,7 +12310,7 @@
         </p:nvSpPr>
         <p:spPr>
           <a:xfrm>
-            <a:off x="-9040" y="2671776"/>
+            <a:off x="145751" y="2829718"/>
             <a:ext cx="7423993" cy="476974"/>
           </a:xfrm>
           <a:prstGeom prst="rect">
@@ -12404,7 +12404,7 @@
         </p:blipFill>
         <p:spPr>
           <a:xfrm>
-            <a:off x="506203" y="1938409"/>
+            <a:off x="660994" y="2096351"/>
             <a:ext cx="606279" cy="606279"/>
           </a:xfrm>
           <a:prstGeom prst="rect">
@@ -12426,7 +12426,7 @@
         </p:nvSpPr>
         <p:spPr>
           <a:xfrm>
-            <a:off x="1082507" y="1938409"/>
+            <a:off x="1237298" y="2096351"/>
             <a:ext cx="6860165" cy="584775"/>
           </a:xfrm>
           <a:prstGeom prst="rect">
@@ -12482,7 +12482,7 @@
         </p:blipFill>
         <p:spPr>
           <a:xfrm>
-            <a:off x="5485731" y="2618260"/>
+            <a:off x="5640522" y="2776202"/>
             <a:ext cx="485578" cy="485578"/>
           </a:xfrm>
           <a:prstGeom prst="rect">
@@ -12506,7 +12506,7 @@
         </p:nvSpPr>
         <p:spPr>
           <a:xfrm>
-            <a:off x="-9041" y="3221698"/>
+            <a:off x="145750" y="3379640"/>
             <a:ext cx="5121367" cy="476974"/>
           </a:xfrm>
           <a:prstGeom prst="rect">
@@ -12578,7 +12578,7 @@
         </p:nvSpPr>
         <p:spPr>
           <a:xfrm>
-            <a:off x="506204" y="3596419"/>
+            <a:off x="660995" y="3754361"/>
             <a:ext cx="8125034" cy="584775"/>
           </a:xfrm>
           <a:prstGeom prst="rect">
@@ -13190,7 +13190,7 @@
         </p:nvSpPr>
         <p:spPr>
           <a:xfrm>
-            <a:off x="4793884" y="2132664"/>
+            <a:off x="5001702" y="2181588"/>
             <a:ext cx="205740" cy="148590"/>
           </a:xfrm>
           <a:prstGeom prst="rect">
@@ -13304,8 +13304,8 @@
         </p:nvSpPr>
         <p:spPr>
           <a:xfrm>
-            <a:off x="145751" y="649686"/>
-            <a:ext cx="8485488" cy="1815882"/>
+            <a:off x="353569" y="698610"/>
+            <a:ext cx="8216853" cy="1815882"/>
           </a:xfrm>
           <a:prstGeom prst="rect">
             <a:avLst/>
@@ -13319,7 +13319,7 @@
           <a:lstStyle/>
           <a:p>
             <a:r>
-              <a:rPr lang="en-US" sz="1600" dirty="0">
+              <a:rPr lang="en-US" sz="1600" b="1" dirty="0">
                 <a:solidFill>
                   <a:srgbClr val="C00000"/>
                 </a:solidFill>
@@ -13420,7 +13420,7 @@
         </p:blipFill>
         <p:spPr>
           <a:xfrm>
-            <a:off x="143181" y="2206959"/>
+            <a:off x="350999" y="2255883"/>
             <a:ext cx="606279" cy="606279"/>
           </a:xfrm>
           <a:prstGeom prst="rect">
@@ -13442,7 +13442,7 @@
         </p:nvSpPr>
         <p:spPr>
           <a:xfrm>
-            <a:off x="749461" y="2079355"/>
+            <a:off x="957279" y="2128279"/>
             <a:ext cx="7278067" cy="830997"/>
           </a:xfrm>
           <a:prstGeom prst="rect">
@@ -13556,7 +13556,7 @@
         </p:blipFill>
         <p:spPr>
           <a:xfrm>
-            <a:off x="3841277" y="2591070"/>
+            <a:off x="4049095" y="2639994"/>
             <a:ext cx="393309" cy="393309"/>
           </a:xfrm>
           <a:prstGeom prst="rect">
@@ -13578,8 +13578,8 @@
         </p:nvSpPr>
         <p:spPr>
           <a:xfrm>
-            <a:off x="143181" y="3274213"/>
-            <a:ext cx="7278067" cy="584775"/>
+            <a:off x="350999" y="3323137"/>
+            <a:ext cx="7884347" cy="584775"/>
           </a:xfrm>
           <a:prstGeom prst="rect">
             <a:avLst/>
@@ -15432,7 +15432,7 @@
         </p:nvSpPr>
         <p:spPr>
           <a:xfrm>
-            <a:off x="145750" y="710401"/>
+            <a:off x="342484" y="735340"/>
             <a:ext cx="2678654" cy="476974"/>
           </a:xfrm>
           <a:prstGeom prst="rect">
@@ -15490,7 +15490,7 @@
         </p:nvSpPr>
         <p:spPr>
           <a:xfrm>
-            <a:off x="-6650" y="1460941"/>
+            <a:off x="342484" y="1502504"/>
             <a:ext cx="8637888" cy="2554545"/>
           </a:xfrm>
           <a:prstGeom prst="rect">
@@ -16133,7 +16133,7 @@
         </p:nvSpPr>
         <p:spPr>
           <a:xfrm>
-            <a:off x="-6650" y="602465"/>
+            <a:off x="223248" y="730862"/>
             <a:ext cx="4126992" cy="476974"/>
           </a:xfrm>
           <a:prstGeom prst="rect">
@@ -18008,7 +18008,7 @@
         </p:nvSpPr>
         <p:spPr>
           <a:xfrm>
-            <a:off x="1737360" y="895191"/>
+            <a:off x="1902525" y="917115"/>
             <a:ext cx="331470" cy="339249"/>
           </a:xfrm>
           <a:prstGeom prst="rect">
@@ -18056,7 +18056,7 @@
         </p:nvSpPr>
         <p:spPr>
           <a:xfrm>
-            <a:off x="3983355" y="1061997"/>
+            <a:off x="4148520" y="1083921"/>
             <a:ext cx="331470" cy="339249"/>
           </a:xfrm>
           <a:prstGeom prst="rect">
@@ -18172,7 +18172,7 @@
         </p:nvSpPr>
         <p:spPr>
           <a:xfrm>
-            <a:off x="-9040" y="715472"/>
+            <a:off x="156125" y="737396"/>
             <a:ext cx="4155740" cy="476974"/>
           </a:xfrm>
           <a:prstGeom prst="rect">
@@ -18329,7 +18329,7 @@
         </p:nvSpPr>
         <p:spPr>
           <a:xfrm>
-            <a:off x="414772" y="1135068"/>
+            <a:off x="579937" y="1156992"/>
             <a:ext cx="7631981" cy="338554"/>
           </a:xfrm>
           <a:prstGeom prst="rect">
@@ -18672,7 +18672,7 @@
         </p:nvSpPr>
         <p:spPr>
           <a:xfrm>
-            <a:off x="1737360" y="895191"/>
+            <a:off x="1880577" y="911484"/>
             <a:ext cx="331470" cy="339249"/>
           </a:xfrm>
           <a:prstGeom prst="rect">
@@ -18836,7 +18836,7 @@
         </p:nvSpPr>
         <p:spPr>
           <a:xfrm>
-            <a:off x="-6650" y="610104"/>
+            <a:off x="136567" y="626397"/>
             <a:ext cx="5006274" cy="476974"/>
           </a:xfrm>
           <a:prstGeom prst="rect">
@@ -18976,7 +18976,7 @@
         </p:nvSpPr>
         <p:spPr>
           <a:xfrm>
-            <a:off x="423052" y="1063330"/>
+            <a:off x="566269" y="1079623"/>
             <a:ext cx="7631981" cy="338554"/>
           </a:xfrm>
           <a:prstGeom prst="rect">
@@ -19494,7 +19494,7 @@
         </p:nvSpPr>
         <p:spPr>
           <a:xfrm>
-            <a:off x="1737360" y="1385643"/>
+            <a:off x="1995055" y="1428898"/>
             <a:ext cx="331470" cy="339249"/>
           </a:xfrm>
           <a:prstGeom prst="rect">
@@ -19542,7 +19542,7 @@
         </p:nvSpPr>
         <p:spPr>
           <a:xfrm>
-            <a:off x="3983355" y="1552449"/>
+            <a:off x="4241050" y="1595704"/>
             <a:ext cx="331470" cy="339249"/>
           </a:xfrm>
           <a:prstGeom prst="rect">
@@ -19658,7 +19658,7 @@
         </p:nvSpPr>
         <p:spPr>
           <a:xfrm>
-            <a:off x="-6650" y="1100556"/>
+            <a:off x="251045" y="1143811"/>
             <a:ext cx="4155740" cy="476974"/>
           </a:xfrm>
           <a:prstGeom prst="rect">
@@ -19746,7 +19746,7 @@
         </p:nvSpPr>
         <p:spPr>
           <a:xfrm>
-            <a:off x="415967" y="1552449"/>
+            <a:off x="673662" y="1595704"/>
             <a:ext cx="7631981" cy="1077218"/>
           </a:xfrm>
           <a:prstGeom prst="rect">
@@ -20763,12 +20763,6 @@
 </file>
 
 <file path=customXml/item1.xml><?xml version="1.0" encoding="utf-8"?>
-<p:properties xmlns:p="http://schemas.microsoft.com/office/2006/metadata/properties" xmlns:xsi="http://www.w3.org/2001/XMLSchema-instance" xmlns:pc="http://schemas.microsoft.com/office/infopath/2007/PartnerControls">
-  <documentManagement/>
-</p:properties>
-</file>
-
-<file path=customXml/item2.xml><?xml version="1.0" encoding="utf-8"?>
 <ct:contentTypeSchema xmlns:ct="http://schemas.microsoft.com/office/2006/metadata/contentType" xmlns:ma="http://schemas.microsoft.com/office/2006/metadata/properties/metaAttributes" ct:_="" ma:_="" ma:contentTypeName="Document" ma:contentTypeID="0x0101001BFC127AB4946248A5685C1F92D54FFE" ma:contentTypeVersion="0" ma:contentTypeDescription="Crée un document." ma:contentTypeScope="" ma:versionID="ef3ff242486930b75c69099c0dd02c57">
   <xsd:schema xmlns:xsd="http://www.w3.org/2001/XMLSchema" xmlns:xs="http://www.w3.org/2001/XMLSchema" xmlns:p="http://schemas.microsoft.com/office/2006/metadata/properties" targetNamespace="http://schemas.microsoft.com/office/2006/metadata/properties" ma:root="true" ma:fieldsID="ab09c1ba23edfaa45a5e9d385267c9b5">
     <xsd:element name="properties">
@@ -20882,6 +20876,12 @@
 </ct:contentTypeSchema>
 </file>
 
+<file path=customXml/item2.xml><?xml version="1.0" encoding="utf-8"?>
+<p:properties xmlns:p="http://schemas.microsoft.com/office/2006/metadata/properties" xmlns:xsi="http://www.w3.org/2001/XMLSchema-instance" xmlns:pc="http://schemas.microsoft.com/office/infopath/2007/PartnerControls">
+  <documentManagement/>
+</p:properties>
+</file>
+
 <file path=customXml/item3.xml><?xml version="1.0" encoding="utf-8"?>
 <?mso-contentType ?>
 <FormTemplates xmlns="http://schemas.microsoft.com/sharepoint/v3/contenttype/forms">
@@ -20892,21 +20892,6 @@
 </file>
 
 <file path=customXml/itemProps1.xml><?xml version="1.0" encoding="utf-8"?>
-<ds:datastoreItem xmlns:ds="http://schemas.openxmlformats.org/officeDocument/2006/customXml" ds:itemID="{348A6C70-7FF5-480A-B09B-7D0A19B2F431}">
-  <ds:schemaRefs>
-    <ds:schemaRef ds:uri="http://schemas.microsoft.com/office/2006/documentManagement/types"/>
-    <ds:schemaRef ds:uri="http://schemas.microsoft.com/office/2006/metadata/properties"/>
-    <ds:schemaRef ds:uri="http://purl.org/dc/dcmitype/"/>
-    <ds:schemaRef ds:uri="http://purl.org/dc/elements/1.1/"/>
-    <ds:schemaRef ds:uri="http://schemas.openxmlformats.org/package/2006/metadata/core-properties"/>
-    <ds:schemaRef ds:uri="http://www.w3.org/XML/1998/namespace"/>
-    <ds:schemaRef ds:uri="http://purl.org/dc/terms/"/>
-    <ds:schemaRef ds:uri="http://schemas.microsoft.com/office/infopath/2007/PartnerControls"/>
-  </ds:schemaRefs>
-</ds:datastoreItem>
-</file>
-
-<file path=customXml/itemProps2.xml><?xml version="1.0" encoding="utf-8"?>
 <ds:datastoreItem xmlns:ds="http://schemas.openxmlformats.org/officeDocument/2006/customXml" ds:itemID="{8F8CE09B-89B1-4B5D-BED2-87C84F077711}">
   <ds:schemaRefs>
     <ds:schemaRef ds:uri="http://schemas.microsoft.com/office/2006/metadata/contentType"/>
@@ -20922,6 +20907,21 @@
 </ds:datastoreItem>
 </file>
 
+<file path=customXml/itemProps2.xml><?xml version="1.0" encoding="utf-8"?>
+<ds:datastoreItem xmlns:ds="http://schemas.openxmlformats.org/officeDocument/2006/customXml" ds:itemID="{348A6C70-7FF5-480A-B09B-7D0A19B2F431}">
+  <ds:schemaRefs>
+    <ds:schemaRef ds:uri="http://schemas.microsoft.com/office/2006/documentManagement/types"/>
+    <ds:schemaRef ds:uri="http://schemas.microsoft.com/office/2006/metadata/properties"/>
+    <ds:schemaRef ds:uri="http://purl.org/dc/dcmitype/"/>
+    <ds:schemaRef ds:uri="http://purl.org/dc/elements/1.1/"/>
+    <ds:schemaRef ds:uri="http://schemas.openxmlformats.org/package/2006/metadata/core-properties"/>
+    <ds:schemaRef ds:uri="http://www.w3.org/XML/1998/namespace"/>
+    <ds:schemaRef ds:uri="http://purl.org/dc/terms/"/>
+    <ds:schemaRef ds:uri="http://schemas.microsoft.com/office/infopath/2007/PartnerControls"/>
+  </ds:schemaRefs>
+</ds:datastoreItem>
+</file>
+
 <file path=customXml/itemProps3.xml><?xml version="1.0" encoding="utf-8"?>
 <ds:datastoreItem xmlns:ds="http://schemas.openxmlformats.org/officeDocument/2006/customXml" ds:itemID="{266205E9-12FC-4D6C-B0C7-1E9025EEB158}">
   <ds:schemaRefs>
